--- a/Nemo_Spaß/Mokup_Spezifiaktion der Schnittstelle.pptx
+++ b/Nemo_Spaß/Mokup_Spezifiaktion der Schnittstelle.pptx
@@ -267,7 +267,7 @@
           <a:p>
             <a:fld id="{CDFC480C-E056-472F-A6EE-2C02A5AB318A}" type="datetimeFigureOut">
               <a:rPr lang="de-DE" smtClean="0"/>
-              <a:t>22.05.20</a:t>
+              <a:t>25.05.20</a:t>
             </a:fld>
             <a:endParaRPr lang="de-DE"/>
           </a:p>
@@ -465,7 +465,7 @@
           <a:p>
             <a:fld id="{CDFC480C-E056-472F-A6EE-2C02A5AB318A}" type="datetimeFigureOut">
               <a:rPr lang="de-DE" smtClean="0"/>
-              <a:t>22.05.20</a:t>
+              <a:t>25.05.20</a:t>
             </a:fld>
             <a:endParaRPr lang="de-DE"/>
           </a:p>
@@ -673,7 +673,7 @@
           <a:p>
             <a:fld id="{CDFC480C-E056-472F-A6EE-2C02A5AB318A}" type="datetimeFigureOut">
               <a:rPr lang="de-DE" smtClean="0"/>
-              <a:t>22.05.20</a:t>
+              <a:t>25.05.20</a:t>
             </a:fld>
             <a:endParaRPr lang="de-DE"/>
           </a:p>
@@ -871,7 +871,7 @@
           <a:p>
             <a:fld id="{CDFC480C-E056-472F-A6EE-2C02A5AB318A}" type="datetimeFigureOut">
               <a:rPr lang="de-DE" smtClean="0"/>
-              <a:t>22.05.20</a:t>
+              <a:t>25.05.20</a:t>
             </a:fld>
             <a:endParaRPr lang="de-DE"/>
           </a:p>
@@ -1146,7 +1146,7 @@
           <a:p>
             <a:fld id="{CDFC480C-E056-472F-A6EE-2C02A5AB318A}" type="datetimeFigureOut">
               <a:rPr lang="de-DE" smtClean="0"/>
-              <a:t>22.05.20</a:t>
+              <a:t>25.05.20</a:t>
             </a:fld>
             <a:endParaRPr lang="de-DE"/>
           </a:p>
@@ -1411,7 +1411,7 @@
           <a:p>
             <a:fld id="{CDFC480C-E056-472F-A6EE-2C02A5AB318A}" type="datetimeFigureOut">
               <a:rPr lang="de-DE" smtClean="0"/>
-              <a:t>22.05.20</a:t>
+              <a:t>25.05.20</a:t>
             </a:fld>
             <a:endParaRPr lang="de-DE"/>
           </a:p>
@@ -1823,7 +1823,7 @@
           <a:p>
             <a:fld id="{CDFC480C-E056-472F-A6EE-2C02A5AB318A}" type="datetimeFigureOut">
               <a:rPr lang="de-DE" smtClean="0"/>
-              <a:t>22.05.20</a:t>
+              <a:t>25.05.20</a:t>
             </a:fld>
             <a:endParaRPr lang="de-DE"/>
           </a:p>
@@ -1964,7 +1964,7 @@
           <a:p>
             <a:fld id="{CDFC480C-E056-472F-A6EE-2C02A5AB318A}" type="datetimeFigureOut">
               <a:rPr lang="de-DE" smtClean="0"/>
-              <a:t>22.05.20</a:t>
+              <a:t>25.05.20</a:t>
             </a:fld>
             <a:endParaRPr lang="de-DE"/>
           </a:p>
@@ -2077,7 +2077,7 @@
           <a:p>
             <a:fld id="{CDFC480C-E056-472F-A6EE-2C02A5AB318A}" type="datetimeFigureOut">
               <a:rPr lang="de-DE" smtClean="0"/>
-              <a:t>22.05.20</a:t>
+              <a:t>25.05.20</a:t>
             </a:fld>
             <a:endParaRPr lang="de-DE"/>
           </a:p>
@@ -2388,7 +2388,7 @@
           <a:p>
             <a:fld id="{CDFC480C-E056-472F-A6EE-2C02A5AB318A}" type="datetimeFigureOut">
               <a:rPr lang="de-DE" smtClean="0"/>
-              <a:t>22.05.20</a:t>
+              <a:t>25.05.20</a:t>
             </a:fld>
             <a:endParaRPr lang="de-DE"/>
           </a:p>
@@ -2676,7 +2676,7 @@
           <a:p>
             <a:fld id="{CDFC480C-E056-472F-A6EE-2C02A5AB318A}" type="datetimeFigureOut">
               <a:rPr lang="de-DE" smtClean="0"/>
-              <a:t>22.05.20</a:t>
+              <a:t>25.05.20</a:t>
             </a:fld>
             <a:endParaRPr lang="de-DE"/>
           </a:p>
@@ -2917,7 +2917,7 @@
           <a:p>
             <a:fld id="{CDFC480C-E056-472F-A6EE-2C02A5AB318A}" type="datetimeFigureOut">
               <a:rPr lang="de-DE" smtClean="0"/>
-              <a:t>22.05.20</a:t>
+              <a:t>25.05.20</a:t>
             </a:fld>
             <a:endParaRPr lang="de-DE"/>
           </a:p>
@@ -3522,7 +3522,22 @@
                   <a:srgbClr val="FFFFFF"/>
                 </a:solidFill>
               </a:rPr>
-              <a:t> und Spezifikation der Schnittstelle</a:t>
+              <a:t> </a:t>
+            </a:r>
+            <a:br>
+              <a:rPr lang="de-DE" sz="4700" dirty="0">
+                <a:solidFill>
+                  <a:srgbClr val="FFFFFF"/>
+                </a:solidFill>
+              </a:rPr>
+            </a:br>
+            <a:r>
+              <a:rPr lang="de-DE" sz="4700" dirty="0">
+                <a:solidFill>
+                  <a:srgbClr val="FFFFFF"/>
+                </a:solidFill>
+              </a:rPr>
+              <a:t>Teilaufgabe 2</a:t>
             </a:r>
           </a:p>
         </p:txBody>
